--- a/szolgint.pptx
+++ b/szolgint.pptx
@@ -1926,7 +1926,7 @@
           <a:p>
             <a:fld id="{EE4A055C-C9CD-4056-81CD-73317B3AFDDB}" type="datetimeFigureOut">
               <a:rPr lang="hu-HU" smtClean="0"/>
-              <a:t>2013.05.15.</a:t>
+              <a:t>2013.05.16.</a:t>
             </a:fld>
             <a:endParaRPr lang="hu-HU"/>
           </a:p>
@@ -2107,7 +2107,7 @@
           <a:p>
             <a:fld id="{EE4A055C-C9CD-4056-81CD-73317B3AFDDB}" type="datetimeFigureOut">
               <a:rPr lang="hu-HU" smtClean="0"/>
-              <a:t>2013.05.15.</a:t>
+              <a:t>2013.05.16.</a:t>
             </a:fld>
             <a:endParaRPr lang="hu-HU"/>
           </a:p>
@@ -2258,7 +2258,7 @@
           <a:p>
             <a:fld id="{EE4A055C-C9CD-4056-81CD-73317B3AFDDB}" type="datetimeFigureOut">
               <a:rPr lang="hu-HU" smtClean="0"/>
-              <a:t>2013.05.15.</a:t>
+              <a:t>2013.05.16.</a:t>
             </a:fld>
             <a:endParaRPr lang="hu-HU"/>
           </a:p>
@@ -4084,7 +4084,7 @@
           <a:p>
             <a:fld id="{EE4A055C-C9CD-4056-81CD-73317B3AFDDB}" type="datetimeFigureOut">
               <a:rPr lang="hu-HU" smtClean="0"/>
-              <a:t>2013.05.15.</a:t>
+              <a:t>2013.05.16.</a:t>
             </a:fld>
             <a:endParaRPr lang="hu-HU"/>
           </a:p>
@@ -5954,7 +5954,7 @@
           <a:p>
             <a:fld id="{EE4A055C-C9CD-4056-81CD-73317B3AFDDB}" type="datetimeFigureOut">
               <a:rPr lang="hu-HU" smtClean="0"/>
-              <a:t>2013.05.15.</a:t>
+              <a:t>2013.05.16.</a:t>
             </a:fld>
             <a:endParaRPr lang="hu-HU"/>
           </a:p>
@@ -6067,7 +6067,7 @@
           <a:p>
             <a:fld id="{EE4A055C-C9CD-4056-81CD-73317B3AFDDB}" type="datetimeFigureOut">
               <a:rPr lang="hu-HU" smtClean="0"/>
-              <a:t>2013.05.15.</a:t>
+              <a:t>2013.05.16.</a:t>
             </a:fld>
             <a:endParaRPr lang="hu-HU"/>
           </a:p>
@@ -6608,7 +6608,7 @@
           <a:p>
             <a:fld id="{EE4A055C-C9CD-4056-81CD-73317B3AFDDB}" type="datetimeFigureOut">
               <a:rPr lang="hu-HU" smtClean="0"/>
-              <a:t>2013.05.15.</a:t>
+              <a:t>2013.05.16.</a:t>
             </a:fld>
             <a:endParaRPr lang="hu-HU"/>
           </a:p>
@@ -6721,7 +6721,7 @@
           <a:p>
             <a:fld id="{EE4A055C-C9CD-4056-81CD-73317B3AFDDB}" type="datetimeFigureOut">
               <a:rPr lang="hu-HU" smtClean="0"/>
-              <a:t>2013.05.15.</a:t>
+              <a:t>2013.05.16.</a:t>
             </a:fld>
             <a:endParaRPr lang="hu-HU"/>
           </a:p>
@@ -8432,7 +8432,7 @@
           <a:p>
             <a:fld id="{EE4A055C-C9CD-4056-81CD-73317B3AFDDB}" type="datetimeFigureOut">
               <a:rPr lang="hu-HU" smtClean="0"/>
-              <a:t>2013.05.15.</a:t>
+              <a:t>2013.05.16.</a:t>
             </a:fld>
             <a:endParaRPr lang="hu-HU"/>
           </a:p>
@@ -8583,7 +8583,7 @@
           <a:p>
             <a:fld id="{EE4A055C-C9CD-4056-81CD-73317B3AFDDB}" type="datetimeFigureOut">
               <a:rPr lang="hu-HU" smtClean="0"/>
-              <a:t>2013.05.15.</a:t>
+              <a:t>2013.05.16.</a:t>
             </a:fld>
             <a:endParaRPr lang="hu-HU"/>
           </a:p>
@@ -12198,7 +12198,7 @@
           <a:p>
             <a:fld id="{EE4A055C-C9CD-4056-81CD-73317B3AFDDB}" type="datetimeFigureOut">
               <a:rPr lang="hu-HU" smtClean="0"/>
-              <a:t>2013.05.15.</a:t>
+              <a:t>2013.05.16.</a:t>
             </a:fld>
             <a:endParaRPr lang="hu-HU"/>
           </a:p>
@@ -14057,7 +14057,7 @@
           <a:p>
             <a:fld id="{EE4A055C-C9CD-4056-81CD-73317B3AFDDB}" type="datetimeFigureOut">
               <a:rPr lang="hu-HU" smtClean="0"/>
-              <a:t>2013.05.15.</a:t>
+              <a:t>2013.05.16.</a:t>
             </a:fld>
             <a:endParaRPr lang="hu-HU"/>
           </a:p>
@@ -15012,7 +15012,74 @@
           <a:bodyPr/>
           <a:lstStyle/>
           <a:p>
-            <a:endParaRPr lang="hu-HU"/>
+            <a:r>
+              <a:rPr lang="hu-HU" dirty="0" smtClean="0"/>
+              <a:t>Mi volt a terv?</a:t>
+            </a:r>
+          </a:p>
+          <a:p>
+            <a:pPr lvl="1"/>
+            <a:r>
+              <a:rPr lang="hu-HU" dirty="0" smtClean="0"/>
+              <a:t>Neo4j szerver elérése </a:t>
+            </a:r>
+            <a:r>
+              <a:rPr lang="hu-HU" dirty="0" err="1" smtClean="0"/>
+              <a:t>REST-en</a:t>
+            </a:r>
+            <a:r>
+              <a:rPr lang="hu-HU" dirty="0" smtClean="0"/>
+              <a:t> keresztül</a:t>
+            </a:r>
+            <a:endParaRPr lang="hu-HU" dirty="0" smtClean="0"/>
+          </a:p>
+          <a:p>
+            <a:r>
+              <a:rPr lang="hu-HU" dirty="0" smtClean="0"/>
+              <a:t>Meddig jutottunk?</a:t>
+            </a:r>
+            <a:endParaRPr lang="hu-HU" dirty="0"/>
+          </a:p>
+          <a:p>
+            <a:pPr lvl="1"/>
+            <a:r>
+              <a:rPr lang="hu-HU" dirty="0" smtClean="0"/>
+              <a:t>Felhasználói szemmel nézve…</a:t>
+            </a:r>
+          </a:p>
+          <a:p>
+            <a:pPr lvl="1"/>
+            <a:r>
+              <a:rPr lang="hu-HU" dirty="0" smtClean="0"/>
+              <a:t>Fejlesztői szemmel nézve…</a:t>
+            </a:r>
+            <a:endParaRPr lang="hu-HU" dirty="0" smtClean="0"/>
+          </a:p>
+          <a:p>
+            <a:r>
+              <a:rPr lang="hu-HU" dirty="0" smtClean="0"/>
+              <a:t>Miért csak eddig?</a:t>
+            </a:r>
+          </a:p>
+          <a:p>
+            <a:pPr lvl="1"/>
+            <a:r>
+              <a:rPr lang="hu-HU" dirty="0" smtClean="0"/>
+              <a:t>Bonita </a:t>
+            </a:r>
+            <a:r>
+              <a:rPr lang="hu-HU" dirty="0" err="1" smtClean="0"/>
+              <a:t>ClassLoader</a:t>
+            </a:r>
+            <a:endParaRPr lang="hu-HU" dirty="0" smtClean="0"/>
+          </a:p>
+          <a:p>
+            <a:pPr lvl="1"/>
+            <a:r>
+              <a:rPr lang="hu-HU" dirty="0" smtClean="0"/>
+              <a:t>Java specifikus problémák</a:t>
+            </a:r>
+            <a:endParaRPr lang="hu-HU" dirty="0"/>
           </a:p>
         </p:txBody>
       </p:sp>
@@ -15033,7 +15100,11 @@
           <a:p>
             <a:r>
               <a:rPr lang="hu-HU" dirty="0" smtClean="0"/>
-              <a:t>Neo4j amit szeretnél Gyuri :D</a:t>
+              <a:t>Neo4j </a:t>
+            </a:r>
+            <a:r>
+              <a:rPr lang="hu-HU" dirty="0" smtClean="0"/>
+              <a:t>kalandok</a:t>
             </a:r>
             <a:endParaRPr lang="hu-HU" dirty="0"/>
           </a:p>
@@ -15258,7 +15329,6 @@
               <a:rPr lang="hu-HU" dirty="0"/>
               <a:t>http://localhost:8080/bonita-server-rest/API/runtimeAPI/instantiateProcessWithVariables/myProcess–1.0</a:t>
             </a:r>
-            <a:endParaRPr lang="hu-HU" dirty="0"/>
           </a:p>
         </p:txBody>
       </p:sp>
